--- a/smb214-projet.pptx
+++ b/smb214-projet.pptx
@@ -2394,7 +2394,7 @@
         <p:spPr>
           <a:xfrm>
             <a:off x="-815760" y="-815760"/>
-            <a:ext cx="1635480" cy="1635480"/>
+            <a:ext cx="1635120" cy="1635120"/>
           </a:xfrm>
           <a:prstGeom prst="pie">
             <a:avLst>
@@ -2422,7 +2422,7 @@
         <p:spPr>
           <a:xfrm>
             <a:off x="168840" y="21240"/>
-            <a:ext cx="1698840" cy="1698840"/>
+            <a:ext cx="1698480" cy="1698480"/>
           </a:xfrm>
           <a:prstGeom prst="ellipse">
             <a:avLst/>
@@ -2444,8 +2444,8 @@
         </p:nvSpPr>
         <p:spPr>
           <a:xfrm rot="2315400">
-            <a:off x="182520" y="1052640"/>
-            <a:ext cx="1122480" cy="1099440"/>
+            <a:off x="182520" y="1052280"/>
+            <a:ext cx="1122120" cy="1099080"/>
           </a:xfrm>
           <a:prstGeom prst="donut">
             <a:avLst>
@@ -2480,7 +2480,7 @@
         <p:spPr>
           <a:xfrm>
             <a:off x="1013040" y="0"/>
-            <a:ext cx="8127720" cy="6854760"/>
+            <a:ext cx="8127360" cy="6854400"/>
           </a:xfrm>
           <a:prstGeom prst="rect">
             <a:avLst/>
@@ -2502,7 +2502,7 @@
         <p:spPr>
           <a:xfrm>
             <a:off x="1014840" y="0"/>
-            <a:ext cx="69840" cy="6854760"/>
+            <a:ext cx="69480" cy="6854400"/>
           </a:xfrm>
           <a:prstGeom prst="rect">
             <a:avLst/>
@@ -2524,7 +2524,7 @@
         <p:spPr>
           <a:xfrm>
             <a:off x="921600" y="1413720"/>
-            <a:ext cx="207000" cy="207000"/>
+            <a:ext cx="206640" cy="206640"/>
           </a:xfrm>
           <a:prstGeom prst="ellipse">
             <a:avLst/>
@@ -2557,7 +2557,7 @@
         <p:spPr>
           <a:xfrm>
             <a:off x="1157040" y="1344960"/>
-            <a:ext cx="60840" cy="60840"/>
+            <a:ext cx="60480" cy="60480"/>
           </a:xfrm>
           <a:prstGeom prst="ellipse">
             <a:avLst/>
@@ -2779,7 +2779,7 @@
         <p:spPr>
           <a:xfrm>
             <a:off x="-815760" y="-815760"/>
-            <a:ext cx="1635480" cy="1635480"/>
+            <a:ext cx="1635120" cy="1635120"/>
           </a:xfrm>
           <a:prstGeom prst="pie">
             <a:avLst>
@@ -2807,7 +2807,7 @@
         <p:spPr>
           <a:xfrm>
             <a:off x="168840" y="21240"/>
-            <a:ext cx="1698840" cy="1698840"/>
+            <a:ext cx="1698480" cy="1698480"/>
           </a:xfrm>
           <a:prstGeom prst="ellipse">
             <a:avLst/>
@@ -2829,8 +2829,8 @@
         </p:nvSpPr>
         <p:spPr>
           <a:xfrm rot="2315400">
-            <a:off x="182520" y="1052640"/>
-            <a:ext cx="1122480" cy="1099440"/>
+            <a:off x="182520" y="1052280"/>
+            <a:ext cx="1122120" cy="1099080"/>
           </a:xfrm>
           <a:prstGeom prst="donut">
             <a:avLst>
@@ -2865,7 +2865,7 @@
         <p:spPr>
           <a:xfrm>
             <a:off x="1013040" y="0"/>
-            <a:ext cx="8127720" cy="6854760"/>
+            <a:ext cx="8127360" cy="6854400"/>
           </a:xfrm>
           <a:prstGeom prst="rect">
             <a:avLst/>
@@ -2887,7 +2887,7 @@
         <p:spPr>
           <a:xfrm>
             <a:off x="1014840" y="0"/>
-            <a:ext cx="69840" cy="6854760"/>
+            <a:ext cx="69480" cy="6854400"/>
           </a:xfrm>
           <a:prstGeom prst="rect">
             <a:avLst/>
@@ -3100,7 +3100,7 @@
         <p:spPr>
           <a:xfrm>
             <a:off x="1295280" y="2666880"/>
-            <a:ext cx="7403400" cy="3502080"/>
+            <a:ext cx="7403040" cy="3501720"/>
           </a:xfrm>
           <a:prstGeom prst="rect">
             <a:avLst/>
@@ -3309,7 +3309,7 @@
         <p:spPr>
           <a:xfrm>
             <a:off x="3124080" y="533520"/>
-            <a:ext cx="2968560" cy="1444680"/>
+            <a:ext cx="2968200" cy="1444320"/>
           </a:xfrm>
           <a:prstGeom prst="rect">
             <a:avLst/>
@@ -3328,7 +3328,7 @@
         <p:spPr>
           <a:xfrm>
             <a:off x="8613720" y="6305400"/>
-            <a:ext cx="453960" cy="473040"/>
+            <a:ext cx="453600" cy="472680"/>
           </a:xfrm>
           <a:prstGeom prst="rect">
             <a:avLst/>
@@ -3348,7 +3348,7 @@
         <p:spPr>
           <a:xfrm>
             <a:off x="8562600" y="6145560"/>
-            <a:ext cx="306000" cy="345600"/>
+            <a:ext cx="305640" cy="345240"/>
           </a:xfrm>
           <a:prstGeom prst="rect">
             <a:avLst/>
@@ -3429,7 +3429,7 @@
         <p:spPr>
           <a:xfrm>
             <a:off x="1416240" y="275040"/>
-            <a:ext cx="7494840" cy="362520"/>
+            <a:ext cx="7494480" cy="362160"/>
           </a:xfrm>
           <a:prstGeom prst="rect">
             <a:avLst/>
@@ -3470,7 +3470,7 @@
         <p:spPr>
           <a:xfrm>
             <a:off x="914400" y="731520"/>
-            <a:ext cx="8226360" cy="5894640"/>
+            <a:ext cx="8226000" cy="5894280"/>
           </a:xfrm>
           <a:prstGeom prst="rect">
             <a:avLst/>
@@ -3645,7 +3645,7 @@
         <p:spPr>
           <a:xfrm>
             <a:off x="8613720" y="6305400"/>
-            <a:ext cx="453960" cy="473040"/>
+            <a:ext cx="453600" cy="472680"/>
           </a:xfrm>
           <a:prstGeom prst="rect">
             <a:avLst/>
@@ -3665,7 +3665,7 @@
         <p:spPr>
           <a:xfrm>
             <a:off x="5715000" y="6305400"/>
-            <a:ext cx="2892240" cy="473040"/>
+            <a:ext cx="2891880" cy="472680"/>
           </a:xfrm>
           <a:prstGeom prst="rect">
             <a:avLst/>
@@ -3706,7 +3706,7 @@
         <p:spPr>
           <a:xfrm>
             <a:off x="8470800" y="6145920"/>
-            <a:ext cx="489240" cy="345600"/>
+            <a:ext cx="488880" cy="345240"/>
           </a:xfrm>
           <a:prstGeom prst="rect">
             <a:avLst/>
@@ -3787,7 +3787,7 @@
         <p:spPr>
           <a:xfrm>
             <a:off x="1435680" y="274680"/>
-            <a:ext cx="7494840" cy="560160"/>
+            <a:ext cx="7494480" cy="559800"/>
           </a:xfrm>
           <a:prstGeom prst="rect">
             <a:avLst/>
@@ -3828,7 +3828,7 @@
         <p:spPr>
           <a:xfrm>
             <a:off x="1435680" y="1447920"/>
-            <a:ext cx="7494840" cy="4797360"/>
+            <a:ext cx="7494480" cy="4797000"/>
           </a:xfrm>
           <a:prstGeom prst="rect">
             <a:avLst/>
@@ -4012,7 +4012,7 @@
         <p:spPr>
           <a:xfrm>
             <a:off x="2397600" y="937800"/>
-            <a:ext cx="4787640" cy="1949040"/>
+            <a:ext cx="4787280" cy="1948680"/>
           </a:xfrm>
           <a:prstGeom prst="rect">
             <a:avLst/>
@@ -4031,7 +4031,7 @@
         <p:spPr>
           <a:xfrm>
             <a:off x="8613720" y="6305400"/>
-            <a:ext cx="453960" cy="473040"/>
+            <a:ext cx="453600" cy="472680"/>
           </a:xfrm>
           <a:prstGeom prst="rect">
             <a:avLst/>
@@ -4051,7 +4051,7 @@
         <p:spPr>
           <a:xfrm>
             <a:off x="5715000" y="6305400"/>
-            <a:ext cx="2892240" cy="473040"/>
+            <a:ext cx="2891880" cy="472680"/>
           </a:xfrm>
           <a:prstGeom prst="rect">
             <a:avLst/>
@@ -4092,7 +4092,7 @@
         <p:spPr>
           <a:xfrm>
             <a:off x="8321040" y="6146280"/>
-            <a:ext cx="489240" cy="345600"/>
+            <a:ext cx="488880" cy="345240"/>
           </a:xfrm>
           <a:prstGeom prst="rect">
             <a:avLst/>
@@ -4173,7 +4173,7 @@
         <p:spPr>
           <a:xfrm>
             <a:off x="1435680" y="274680"/>
-            <a:ext cx="7494840" cy="728640"/>
+            <a:ext cx="7494480" cy="728280"/>
           </a:xfrm>
           <a:prstGeom prst="rect">
             <a:avLst/>
@@ -4214,7 +4214,7 @@
         <p:spPr>
           <a:xfrm>
             <a:off x="1435680" y="1005840"/>
-            <a:ext cx="7494840" cy="5392440"/>
+            <a:ext cx="7494480" cy="5392080"/>
           </a:xfrm>
           <a:prstGeom prst="rect">
             <a:avLst/>
@@ -4422,7 +4422,7 @@
         <p:spPr>
           <a:xfrm>
             <a:off x="8613720" y="6305400"/>
-            <a:ext cx="453960" cy="473040"/>
+            <a:ext cx="453600" cy="472680"/>
           </a:xfrm>
           <a:prstGeom prst="rect">
             <a:avLst/>
@@ -4442,7 +4442,7 @@
         <p:spPr>
           <a:xfrm>
             <a:off x="5715000" y="6305400"/>
-            <a:ext cx="2892240" cy="473040"/>
+            <a:ext cx="2891880" cy="472680"/>
           </a:xfrm>
           <a:prstGeom prst="rect">
             <a:avLst/>
@@ -4483,7 +4483,7 @@
         <p:spPr>
           <a:xfrm>
             <a:off x="8321040" y="6146280"/>
-            <a:ext cx="489240" cy="345600"/>
+            <a:ext cx="488880" cy="345240"/>
           </a:xfrm>
           <a:prstGeom prst="rect">
             <a:avLst/>
@@ -4564,7 +4564,7 @@
         <p:spPr>
           <a:xfrm>
             <a:off x="1219320" y="533520"/>
-            <a:ext cx="8226360" cy="377640"/>
+            <a:ext cx="8226000" cy="377280"/>
           </a:xfrm>
           <a:prstGeom prst="rect">
             <a:avLst/>
@@ -4618,7 +4618,7 @@
         <p:spPr>
           <a:xfrm>
             <a:off x="990720" y="838080"/>
-            <a:ext cx="7921440" cy="5711760"/>
+            <a:ext cx="7921080" cy="5711400"/>
           </a:xfrm>
           <a:prstGeom prst="rect">
             <a:avLst/>
@@ -4735,7 +4735,7 @@
         <p:spPr>
           <a:xfrm>
             <a:off x="8613720" y="6305400"/>
-            <a:ext cx="453960" cy="473040"/>
+            <a:ext cx="453600" cy="472680"/>
           </a:xfrm>
           <a:prstGeom prst="rect">
             <a:avLst/>
@@ -4755,7 +4755,7 @@
         <p:spPr>
           <a:xfrm>
             <a:off x="5715000" y="6305400"/>
-            <a:ext cx="2892240" cy="473040"/>
+            <a:ext cx="2891880" cy="472680"/>
           </a:xfrm>
           <a:prstGeom prst="rect">
             <a:avLst/>
@@ -4796,7 +4796,7 @@
         <p:spPr>
           <a:xfrm>
             <a:off x="8321040" y="6146280"/>
-            <a:ext cx="489240" cy="345600"/>
+            <a:ext cx="488880" cy="345240"/>
           </a:xfrm>
           <a:prstGeom prst="rect">
             <a:avLst/>
@@ -4877,7 +4877,7 @@
         <p:spPr>
           <a:xfrm>
             <a:off x="1435680" y="274680"/>
-            <a:ext cx="7494840" cy="1139760"/>
+            <a:ext cx="7494480" cy="1139400"/>
           </a:xfrm>
           <a:prstGeom prst="rect">
             <a:avLst/>
@@ -4921,7 +4921,7 @@
         <p:spPr>
           <a:xfrm>
             <a:off x="1371600" y="869400"/>
-            <a:ext cx="7494840" cy="4797360"/>
+            <a:ext cx="7494480" cy="4797000"/>
           </a:xfrm>
           <a:prstGeom prst="rect">
             <a:avLst/>
@@ -5153,7 +5153,7 @@
         <p:spPr>
           <a:xfrm>
             <a:off x="5715000" y="6305400"/>
-            <a:ext cx="2892240" cy="473040"/>
+            <a:ext cx="2891880" cy="472680"/>
           </a:xfrm>
           <a:prstGeom prst="rect">
             <a:avLst/>
@@ -5194,7 +5194,7 @@
         <p:spPr>
           <a:xfrm>
             <a:off x="8613720" y="6305400"/>
-            <a:ext cx="453960" cy="473040"/>
+            <a:ext cx="453600" cy="472680"/>
           </a:xfrm>
           <a:prstGeom prst="rect">
             <a:avLst/>
@@ -5214,7 +5214,7 @@
         <p:spPr>
           <a:xfrm>
             <a:off x="8321040" y="6400800"/>
-            <a:ext cx="489240" cy="261360"/>
+            <a:ext cx="488880" cy="261000"/>
           </a:xfrm>
           <a:prstGeom prst="rect">
             <a:avLst/>
@@ -5295,7 +5295,7 @@
         <p:spPr>
           <a:xfrm>
             <a:off x="1435680" y="274680"/>
-            <a:ext cx="7494840" cy="1139760"/>
+            <a:ext cx="7494480" cy="1139400"/>
           </a:xfrm>
           <a:prstGeom prst="rect">
             <a:avLst/>
@@ -5336,7 +5336,7 @@
         <p:spPr>
           <a:xfrm>
             <a:off x="1435680" y="1447920"/>
-            <a:ext cx="7494840" cy="4797360"/>
+            <a:ext cx="7494480" cy="4797000"/>
           </a:xfrm>
           <a:prstGeom prst="rect">
             <a:avLst/>
@@ -5451,7 +5451,7 @@
         <p:spPr>
           <a:xfrm>
             <a:off x="8613720" y="6305400"/>
-            <a:ext cx="453960" cy="473040"/>
+            <a:ext cx="453600" cy="472680"/>
           </a:xfrm>
           <a:prstGeom prst="rect">
             <a:avLst/>
@@ -5471,7 +5471,7 @@
         <p:spPr>
           <a:xfrm>
             <a:off x="5715000" y="6305400"/>
-            <a:ext cx="2892240" cy="473040"/>
+            <a:ext cx="2891880" cy="472680"/>
           </a:xfrm>
           <a:prstGeom prst="rect">
             <a:avLst/>
@@ -5512,7 +5512,7 @@
         <p:spPr>
           <a:xfrm>
             <a:off x="8321040" y="6146280"/>
-            <a:ext cx="489240" cy="345600"/>
+            <a:ext cx="488880" cy="345240"/>
           </a:xfrm>
           <a:prstGeom prst="rect">
             <a:avLst/>
@@ -5599,7 +5599,7 @@
         <p:spPr>
           <a:xfrm>
             <a:off x="1371600" y="567360"/>
-            <a:ext cx="2799000" cy="1914840"/>
+            <a:ext cx="2798640" cy="1914480"/>
           </a:xfrm>
           <a:prstGeom prst="rect">
             <a:avLst/>
@@ -5618,7 +5618,7 @@
         <p:spPr>
           <a:xfrm>
             <a:off x="8613720" y="6305400"/>
-            <a:ext cx="453960" cy="473040"/>
+            <a:ext cx="453600" cy="472680"/>
           </a:xfrm>
           <a:prstGeom prst="rect">
             <a:avLst/>
@@ -5638,7 +5638,7 @@
         <p:spPr>
           <a:xfrm>
             <a:off x="5715000" y="6305400"/>
-            <a:ext cx="2892240" cy="473040"/>
+            <a:ext cx="2891880" cy="472680"/>
           </a:xfrm>
           <a:prstGeom prst="rect">
             <a:avLst/>
@@ -5679,7 +5679,7 @@
         <p:spPr>
           <a:xfrm>
             <a:off x="1097280" y="2830680"/>
-            <a:ext cx="7770600" cy="3472920"/>
+            <a:ext cx="7770240" cy="3472560"/>
           </a:xfrm>
           <a:prstGeom prst="rect">
             <a:avLst/>
@@ -5812,7 +5812,7 @@
         <p:spPr>
           <a:xfrm>
             <a:off x="4480560" y="604440"/>
-            <a:ext cx="4538160" cy="1806840"/>
+            <a:ext cx="4537800" cy="1806480"/>
           </a:xfrm>
           <a:prstGeom prst="rect">
             <a:avLst/>
@@ -5831,7 +5831,7 @@
         <p:spPr>
           <a:xfrm>
             <a:off x="8321040" y="6146280"/>
-            <a:ext cx="489240" cy="345600"/>
+            <a:ext cx="488880" cy="345240"/>
           </a:xfrm>
           <a:prstGeom prst="rect">
             <a:avLst/>
@@ -5912,7 +5912,7 @@
         <p:spPr>
           <a:xfrm>
             <a:off x="914400" y="380880"/>
-            <a:ext cx="7845480" cy="6016680"/>
+            <a:ext cx="7845120" cy="6016320"/>
           </a:xfrm>
           <a:prstGeom prst="rect">
             <a:avLst/>
@@ -6143,7 +6143,7 @@
         <p:spPr>
           <a:xfrm>
             <a:off x="8613720" y="6305400"/>
-            <a:ext cx="453960" cy="473040"/>
+            <a:ext cx="453600" cy="472680"/>
           </a:xfrm>
           <a:prstGeom prst="rect">
             <a:avLst/>
@@ -6163,7 +6163,7 @@
         <p:spPr>
           <a:xfrm>
             <a:off x="5715000" y="6305400"/>
-            <a:ext cx="2892240" cy="473040"/>
+            <a:ext cx="2891880" cy="472680"/>
           </a:xfrm>
           <a:prstGeom prst="rect">
             <a:avLst/>
@@ -6210,7 +6210,7 @@
         <p:spPr>
           <a:xfrm>
             <a:off x="5248440" y="2413440"/>
-            <a:ext cx="3070800" cy="3619800"/>
+            <a:ext cx="3070440" cy="3619440"/>
           </a:xfrm>
           <a:prstGeom prst="rect">
             <a:avLst/>
@@ -6229,7 +6229,7 @@
         <p:spPr>
           <a:xfrm>
             <a:off x="1280160" y="2988720"/>
-            <a:ext cx="3747600" cy="3501720"/>
+            <a:ext cx="3747240" cy="3501360"/>
           </a:xfrm>
           <a:prstGeom prst="rect">
             <a:avLst/>
@@ -6291,7 +6291,7 @@
         <p:spPr>
           <a:xfrm>
             <a:off x="8321040" y="6146280"/>
-            <a:ext cx="489240" cy="345600"/>
+            <a:ext cx="488880" cy="345240"/>
           </a:xfrm>
           <a:prstGeom prst="rect">
             <a:avLst/>
@@ -6372,7 +6372,7 @@
         <p:spPr>
           <a:xfrm>
             <a:off x="1371600" y="462600"/>
-            <a:ext cx="7497000" cy="4899600"/>
+            <a:ext cx="7496640" cy="4899240"/>
           </a:xfrm>
           <a:prstGeom prst="rect">
             <a:avLst/>
@@ -6428,7 +6428,7 @@
         <p:spPr>
           <a:xfrm>
             <a:off x="8321040" y="6146640"/>
-            <a:ext cx="489240" cy="345600"/>
+            <a:ext cx="488880" cy="345240"/>
           </a:xfrm>
           <a:prstGeom prst="rect">
             <a:avLst/>
@@ -6509,7 +6509,7 @@
         <p:spPr>
           <a:xfrm>
             <a:off x="8613720" y="6305400"/>
-            <a:ext cx="453960" cy="473040"/>
+            <a:ext cx="453600" cy="472680"/>
           </a:xfrm>
           <a:prstGeom prst="rect">
             <a:avLst/>
@@ -6529,7 +6529,7 @@
         <p:spPr>
           <a:xfrm>
             <a:off x="5715000" y="6305400"/>
-            <a:ext cx="2892240" cy="473040"/>
+            <a:ext cx="2891880" cy="472680"/>
           </a:xfrm>
           <a:prstGeom prst="rect">
             <a:avLst/>
@@ -6570,7 +6570,7 @@
         <p:spPr>
           <a:xfrm>
             <a:off x="1188720" y="457200"/>
-            <a:ext cx="7039080" cy="5886720"/>
+            <a:ext cx="7038720" cy="5886360"/>
           </a:xfrm>
           <a:prstGeom prst="rect">
             <a:avLst/>
@@ -6904,7 +6904,7 @@
         <p:spPr>
           <a:xfrm>
             <a:off x="8321040" y="6146280"/>
-            <a:ext cx="489240" cy="345600"/>
+            <a:ext cx="488880" cy="345240"/>
           </a:xfrm>
           <a:prstGeom prst="rect">
             <a:avLst/>
@@ -6985,7 +6985,7 @@
         <p:spPr>
           <a:xfrm>
             <a:off x="1435680" y="274680"/>
-            <a:ext cx="7494840" cy="1139760"/>
+            <a:ext cx="7494480" cy="1139400"/>
           </a:xfrm>
           <a:prstGeom prst="rect">
             <a:avLst/>
@@ -7026,7 +7026,7 @@
         <p:spPr>
           <a:xfrm>
             <a:off x="1435680" y="1447920"/>
-            <a:ext cx="7494840" cy="4797360"/>
+            <a:ext cx="7494480" cy="4797000"/>
           </a:xfrm>
           <a:prstGeom prst="rect">
             <a:avLst/>
@@ -7374,7 +7374,7 @@
         <p:spPr>
           <a:xfrm>
             <a:off x="8613720" y="6305400"/>
-            <a:ext cx="453960" cy="473040"/>
+            <a:ext cx="453600" cy="472680"/>
           </a:xfrm>
           <a:prstGeom prst="rect">
             <a:avLst/>
@@ -7394,7 +7394,7 @@
         <p:spPr>
           <a:xfrm>
             <a:off x="5715000" y="6305400"/>
-            <a:ext cx="2892240" cy="473040"/>
+            <a:ext cx="2891880" cy="472680"/>
           </a:xfrm>
           <a:prstGeom prst="rect">
             <a:avLst/>
@@ -7435,7 +7435,7 @@
         <p:spPr>
           <a:xfrm>
             <a:off x="8595360" y="6217920"/>
-            <a:ext cx="306000" cy="345600"/>
+            <a:ext cx="305640" cy="345240"/>
           </a:xfrm>
           <a:prstGeom prst="rect">
             <a:avLst/>
@@ -7516,7 +7516,7 @@
         <p:spPr>
           <a:xfrm>
             <a:off x="1435680" y="274680"/>
-            <a:ext cx="7494840" cy="637200"/>
+            <a:ext cx="7494480" cy="636840"/>
           </a:xfrm>
           <a:prstGeom prst="rect">
             <a:avLst/>
@@ -7557,7 +7557,7 @@
         <p:spPr>
           <a:xfrm>
             <a:off x="1435680" y="914400"/>
-            <a:ext cx="7494840" cy="5330880"/>
+            <a:ext cx="7494480" cy="5330520"/>
           </a:xfrm>
           <a:prstGeom prst="rect">
             <a:avLst/>
@@ -7761,7 +7761,7 @@
         <p:spPr>
           <a:xfrm>
             <a:off x="8613720" y="6305400"/>
-            <a:ext cx="453960" cy="473040"/>
+            <a:ext cx="453600" cy="472680"/>
           </a:xfrm>
           <a:prstGeom prst="rect">
             <a:avLst/>
@@ -7781,7 +7781,7 @@
         <p:spPr>
           <a:xfrm>
             <a:off x="5715000" y="6305400"/>
-            <a:ext cx="2892240" cy="473040"/>
+            <a:ext cx="2891880" cy="472680"/>
           </a:xfrm>
           <a:prstGeom prst="rect">
             <a:avLst/>
@@ -7822,7 +7822,7 @@
         <p:spPr>
           <a:xfrm>
             <a:off x="8321040" y="6400800"/>
-            <a:ext cx="489240" cy="261360"/>
+            <a:ext cx="488880" cy="261000"/>
           </a:xfrm>
           <a:prstGeom prst="rect">
             <a:avLst/>
@@ -7903,7 +7903,7 @@
         <p:spPr>
           <a:xfrm>
             <a:off x="1371600" y="640080"/>
-            <a:ext cx="6216480" cy="4753440"/>
+            <a:ext cx="6216120" cy="4753080"/>
           </a:xfrm>
           <a:prstGeom prst="rect">
             <a:avLst/>
@@ -7949,7 +7949,7 @@
         <p:spPr>
           <a:xfrm>
             <a:off x="1280160" y="1463040"/>
-            <a:ext cx="7778520" cy="4204800"/>
+            <a:ext cx="7778160" cy="4204440"/>
           </a:xfrm>
           <a:prstGeom prst="rect">
             <a:avLst/>
@@ -8041,7 +8041,7 @@
         <p:spPr>
           <a:xfrm>
             <a:off x="6217920" y="6314400"/>
-            <a:ext cx="2750400" cy="267840"/>
+            <a:ext cx="2750040" cy="267480"/>
           </a:xfrm>
           <a:prstGeom prst="rect">
             <a:avLst/>
@@ -8082,7 +8082,7 @@
         <p:spPr>
           <a:xfrm>
             <a:off x="8321040" y="5943600"/>
-            <a:ext cx="489240" cy="364680"/>
+            <a:ext cx="488880" cy="364320"/>
           </a:xfrm>
           <a:prstGeom prst="rect">
             <a:avLst/>
@@ -8163,7 +8163,7 @@
         <p:spPr>
           <a:xfrm>
             <a:off x="1371600" y="640080"/>
-            <a:ext cx="6216480" cy="4753440"/>
+            <a:ext cx="6216120" cy="4753080"/>
           </a:xfrm>
           <a:prstGeom prst="rect">
             <a:avLst/>
@@ -8209,7 +8209,7 @@
         <p:spPr>
           <a:xfrm>
             <a:off x="1280160" y="1463040"/>
-            <a:ext cx="7778520" cy="4204800"/>
+            <a:ext cx="7778160" cy="4204440"/>
           </a:xfrm>
           <a:prstGeom prst="rect">
             <a:avLst/>
@@ -8301,7 +8301,7 @@
         <p:spPr>
           <a:xfrm>
             <a:off x="6217920" y="6314400"/>
-            <a:ext cx="2750400" cy="267840"/>
+            <a:ext cx="2750040" cy="267480"/>
           </a:xfrm>
           <a:prstGeom prst="rect">
             <a:avLst/>
@@ -8342,7 +8342,7 @@
         <p:spPr>
           <a:xfrm>
             <a:off x="8321040" y="5943600"/>
-            <a:ext cx="489240" cy="364680"/>
+            <a:ext cx="488880" cy="364320"/>
           </a:xfrm>
           <a:prstGeom prst="rect">
             <a:avLst/>
@@ -8423,7 +8423,7 @@
         <p:spPr>
           <a:xfrm>
             <a:off x="1435680" y="274680"/>
-            <a:ext cx="7494840" cy="1139760"/>
+            <a:ext cx="7494480" cy="1139400"/>
           </a:xfrm>
           <a:prstGeom prst="rect">
             <a:avLst/>
@@ -8464,7 +8464,7 @@
         <p:spPr>
           <a:xfrm>
             <a:off x="1188720" y="1188720"/>
-            <a:ext cx="7952040" cy="5132520"/>
+            <a:ext cx="7951680" cy="5132160"/>
           </a:xfrm>
           <a:prstGeom prst="rect">
             <a:avLst/>
@@ -8779,7 +8779,7 @@
         <p:spPr>
           <a:xfrm>
             <a:off x="8613720" y="6305400"/>
-            <a:ext cx="453960" cy="473040"/>
+            <a:ext cx="453600" cy="472680"/>
           </a:xfrm>
           <a:prstGeom prst="rect">
             <a:avLst/>
@@ -8799,7 +8799,7 @@
         <p:spPr>
           <a:xfrm>
             <a:off x="5715000" y="6305400"/>
-            <a:ext cx="2892240" cy="473040"/>
+            <a:ext cx="2891880" cy="472680"/>
           </a:xfrm>
           <a:prstGeom prst="rect">
             <a:avLst/>
@@ -8840,7 +8840,7 @@
         <p:spPr>
           <a:xfrm>
             <a:off x="8321040" y="6146280"/>
-            <a:ext cx="489240" cy="345600"/>
+            <a:ext cx="488880" cy="345240"/>
           </a:xfrm>
           <a:prstGeom prst="rect">
             <a:avLst/>
@@ -8921,7 +8921,7 @@
         <p:spPr>
           <a:xfrm>
             <a:off x="1435680" y="274680"/>
-            <a:ext cx="7494840" cy="1139760"/>
+            <a:ext cx="7494480" cy="1139400"/>
           </a:xfrm>
           <a:prstGeom prst="rect">
             <a:avLst/>
@@ -8965,7 +8965,7 @@
         <p:spPr>
           <a:xfrm>
             <a:off x="1371600" y="914400"/>
-            <a:ext cx="7769160" cy="5711760"/>
+            <a:ext cx="7768800" cy="5711400"/>
           </a:xfrm>
           <a:prstGeom prst="rect">
             <a:avLst/>
@@ -9281,7 +9281,7 @@
         <p:spPr>
           <a:xfrm>
             <a:off x="8613720" y="6305400"/>
-            <a:ext cx="453960" cy="473040"/>
+            <a:ext cx="453600" cy="472680"/>
           </a:xfrm>
           <a:prstGeom prst="rect">
             <a:avLst/>
@@ -9301,7 +9301,7 @@
         <p:spPr>
           <a:xfrm>
             <a:off x="5715000" y="6305400"/>
-            <a:ext cx="2892240" cy="473040"/>
+            <a:ext cx="2891880" cy="472680"/>
           </a:xfrm>
           <a:prstGeom prst="rect">
             <a:avLst/>
@@ -9342,7 +9342,7 @@
         <p:spPr>
           <a:xfrm>
             <a:off x="8321040" y="6146280"/>
-            <a:ext cx="489240" cy="345600"/>
+            <a:ext cx="488880" cy="345240"/>
           </a:xfrm>
           <a:prstGeom prst="rect">
             <a:avLst/>
@@ -9423,7 +9423,7 @@
         <p:spPr>
           <a:xfrm>
             <a:off x="1143000" y="380880"/>
-            <a:ext cx="8226360" cy="941400"/>
+            <a:ext cx="8226000" cy="941040"/>
           </a:xfrm>
           <a:prstGeom prst="rect">
             <a:avLst/>
@@ -9467,7 +9467,7 @@
         <p:spPr>
           <a:xfrm>
             <a:off x="1435680" y="1447920"/>
-            <a:ext cx="7494840" cy="5102280"/>
+            <a:ext cx="7494480" cy="5101920"/>
           </a:xfrm>
           <a:prstGeom prst="rect">
             <a:avLst/>
@@ -9812,7 +9812,7 @@
         <p:spPr>
           <a:xfrm>
             <a:off x="8613720" y="6305400"/>
-            <a:ext cx="453960" cy="473040"/>
+            <a:ext cx="453600" cy="472680"/>
           </a:xfrm>
           <a:prstGeom prst="rect">
             <a:avLst/>
@@ -9832,7 +9832,7 @@
         <p:spPr>
           <a:xfrm>
             <a:off x="5715000" y="6305400"/>
-            <a:ext cx="2892240" cy="473040"/>
+            <a:ext cx="2891880" cy="472680"/>
           </a:xfrm>
           <a:prstGeom prst="rect">
             <a:avLst/>
@@ -9873,7 +9873,7 @@
         <p:spPr>
           <a:xfrm>
             <a:off x="8321040" y="6146280"/>
-            <a:ext cx="489240" cy="345600"/>
+            <a:ext cx="488880" cy="345240"/>
           </a:xfrm>
           <a:prstGeom prst="rect">
             <a:avLst/>
@@ -9954,7 +9954,7 @@
         <p:spPr>
           <a:xfrm>
             <a:off x="8613720" y="6305400"/>
-            <a:ext cx="453960" cy="473040"/>
+            <a:ext cx="453600" cy="472680"/>
           </a:xfrm>
           <a:prstGeom prst="rect">
             <a:avLst/>
@@ -9974,7 +9974,7 @@
         <p:spPr>
           <a:xfrm>
             <a:off x="5715000" y="6305400"/>
-            <a:ext cx="2892240" cy="473040"/>
+            <a:ext cx="2891880" cy="472680"/>
           </a:xfrm>
           <a:prstGeom prst="rect">
             <a:avLst/>
@@ -10015,7 +10015,7 @@
         <p:spPr>
           <a:xfrm>
             <a:off x="1188720" y="457200"/>
-            <a:ext cx="7039080" cy="5886720"/>
+            <a:ext cx="7038720" cy="5886360"/>
           </a:xfrm>
           <a:prstGeom prst="rect">
             <a:avLst/>
@@ -10349,7 +10349,7 @@
         <p:spPr>
           <a:xfrm>
             <a:off x="8321040" y="6146280"/>
-            <a:ext cx="489240" cy="345600"/>
+            <a:ext cx="488880" cy="345240"/>
           </a:xfrm>
           <a:prstGeom prst="rect">
             <a:avLst/>
@@ -10430,7 +10430,7 @@
         <p:spPr>
           <a:xfrm>
             <a:off x="1143000" y="380880"/>
-            <a:ext cx="8226360" cy="941400"/>
+            <a:ext cx="8226000" cy="941040"/>
           </a:xfrm>
           <a:prstGeom prst="rect">
             <a:avLst/>
@@ -10474,7 +10474,7 @@
         <p:spPr>
           <a:xfrm>
             <a:off x="1435680" y="1447920"/>
-            <a:ext cx="7494840" cy="5102280"/>
+            <a:ext cx="7494480" cy="5101920"/>
           </a:xfrm>
           <a:prstGeom prst="rect">
             <a:avLst/>
@@ -10819,7 +10819,7 @@
         <p:spPr>
           <a:xfrm>
             <a:off x="8613720" y="6305400"/>
-            <a:ext cx="453960" cy="473040"/>
+            <a:ext cx="453600" cy="472680"/>
           </a:xfrm>
           <a:prstGeom prst="rect">
             <a:avLst/>
@@ -10839,7 +10839,7 @@
         <p:spPr>
           <a:xfrm>
             <a:off x="5715000" y="6305400"/>
-            <a:ext cx="2892240" cy="473040"/>
+            <a:ext cx="2891880" cy="472680"/>
           </a:xfrm>
           <a:prstGeom prst="rect">
             <a:avLst/>
@@ -10880,7 +10880,7 @@
         <p:spPr>
           <a:xfrm>
             <a:off x="8321040" y="6146280"/>
-            <a:ext cx="489240" cy="345600"/>
+            <a:ext cx="488880" cy="345240"/>
           </a:xfrm>
           <a:prstGeom prst="rect">
             <a:avLst/>
@@ -10961,7 +10961,7 @@
         <p:spPr>
           <a:xfrm>
             <a:off x="1435680" y="548640"/>
-            <a:ext cx="7494840" cy="271800"/>
+            <a:ext cx="7494480" cy="271440"/>
           </a:xfrm>
           <a:prstGeom prst="rect">
             <a:avLst/>
@@ -11034,7 +11034,7 @@
         <p:spPr>
           <a:xfrm>
             <a:off x="1435680" y="1447920"/>
-            <a:ext cx="7494840" cy="4797360"/>
+            <a:ext cx="7494480" cy="4797000"/>
           </a:xfrm>
           <a:prstGeom prst="rect">
             <a:avLst/>
@@ -11270,7 +11270,7 @@
         <p:spPr>
           <a:xfrm>
             <a:off x="8613720" y="6305400"/>
-            <a:ext cx="453960" cy="473040"/>
+            <a:ext cx="453600" cy="472680"/>
           </a:xfrm>
           <a:prstGeom prst="rect">
             <a:avLst/>
@@ -11290,7 +11290,7 @@
         <p:spPr>
           <a:xfrm>
             <a:off x="5715000" y="6305400"/>
-            <a:ext cx="2892240" cy="473040"/>
+            <a:ext cx="2891880" cy="472680"/>
           </a:xfrm>
           <a:prstGeom prst="rect">
             <a:avLst/>
@@ -11331,7 +11331,7 @@
         <p:spPr>
           <a:xfrm>
             <a:off x="8470800" y="6146280"/>
-            <a:ext cx="489240" cy="345600"/>
+            <a:ext cx="488880" cy="345240"/>
           </a:xfrm>
           <a:prstGeom prst="rect">
             <a:avLst/>
@@ -11412,7 +11412,7 @@
         <p:spPr>
           <a:xfrm>
             <a:off x="1772640" y="914400"/>
-            <a:ext cx="5666040" cy="5340960"/>
+            <a:ext cx="5665680" cy="5340600"/>
           </a:xfrm>
           <a:prstGeom prst="rect">
             <a:avLst/>
@@ -11789,7 +11789,7 @@
         <p:spPr>
           <a:xfrm>
             <a:off x="1371600" y="384840"/>
-            <a:ext cx="6125400" cy="345600"/>
+            <a:ext cx="6125040" cy="345240"/>
           </a:xfrm>
           <a:prstGeom prst="rect">
             <a:avLst/>
@@ -11821,7 +11821,7 @@
         <p:spPr>
           <a:xfrm>
             <a:off x="8321040" y="6146280"/>
-            <a:ext cx="489240" cy="345600"/>
+            <a:ext cx="488880" cy="345240"/>
           </a:xfrm>
           <a:prstGeom prst="rect">
             <a:avLst/>
@@ -11902,7 +11902,7 @@
         <p:spPr>
           <a:xfrm>
             <a:off x="990720" y="0"/>
-            <a:ext cx="7769160" cy="911880"/>
+            <a:ext cx="7768800" cy="911520"/>
           </a:xfrm>
           <a:prstGeom prst="rect">
             <a:avLst/>
@@ -11943,7 +11943,7 @@
         <p:spPr>
           <a:xfrm>
             <a:off x="1191240" y="1145520"/>
-            <a:ext cx="6397560" cy="4980240"/>
+            <a:ext cx="6397200" cy="4979880"/>
           </a:xfrm>
           <a:prstGeom prst="rect">
             <a:avLst/>
@@ -12090,7 +12090,7 @@
         <p:spPr>
           <a:xfrm>
             <a:off x="8613720" y="6305400"/>
-            <a:ext cx="453960" cy="473040"/>
+            <a:ext cx="453600" cy="472680"/>
           </a:xfrm>
           <a:prstGeom prst="rect">
             <a:avLst/>
@@ -12110,7 +12110,7 @@
         <p:spPr>
           <a:xfrm>
             <a:off x="5715000" y="6305400"/>
-            <a:ext cx="2892240" cy="473040"/>
+            <a:ext cx="2891880" cy="472680"/>
           </a:xfrm>
           <a:prstGeom prst="rect">
             <a:avLst/>
@@ -12151,7 +12151,7 @@
         <p:spPr>
           <a:xfrm>
             <a:off x="8503920" y="6145560"/>
-            <a:ext cx="306000" cy="345600"/>
+            <a:ext cx="305640" cy="345240"/>
           </a:xfrm>
           <a:prstGeom prst="rect">
             <a:avLst/>
@@ -12232,7 +12232,7 @@
         <p:spPr>
           <a:xfrm>
             <a:off x="1435680" y="274680"/>
-            <a:ext cx="7494840" cy="1139760"/>
+            <a:ext cx="7494480" cy="1139400"/>
           </a:xfrm>
           <a:prstGeom prst="rect">
             <a:avLst/>
@@ -12276,7 +12276,7 @@
         <p:spPr>
           <a:xfrm>
             <a:off x="1371600" y="990720"/>
-            <a:ext cx="7494840" cy="5254560"/>
+            <a:ext cx="7494480" cy="5254200"/>
           </a:xfrm>
           <a:prstGeom prst="rect">
             <a:avLst/>
@@ -12396,7 +12396,7 @@
         <p:spPr>
           <a:xfrm>
             <a:off x="8613720" y="6305400"/>
-            <a:ext cx="453960" cy="473040"/>
+            <a:ext cx="453600" cy="472680"/>
           </a:xfrm>
           <a:prstGeom prst="rect">
             <a:avLst/>
@@ -12416,7 +12416,7 @@
         <p:spPr>
           <a:xfrm>
             <a:off x="5715000" y="6305400"/>
-            <a:ext cx="2892240" cy="473040"/>
+            <a:ext cx="2891880" cy="472680"/>
           </a:xfrm>
           <a:prstGeom prst="rect">
             <a:avLst/>
@@ -12457,7 +12457,7 @@
         <p:spPr>
           <a:xfrm>
             <a:off x="8321040" y="6146280"/>
-            <a:ext cx="489240" cy="345600"/>
+            <a:ext cx="488880" cy="345240"/>
           </a:xfrm>
           <a:prstGeom prst="rect">
             <a:avLst/>
@@ -12538,7 +12538,7 @@
         <p:spPr>
           <a:xfrm>
             <a:off x="1097280" y="822960"/>
-            <a:ext cx="7131960" cy="822600"/>
+            <a:ext cx="7131600" cy="822240"/>
           </a:xfrm>
           <a:prstGeom prst="rect">
             <a:avLst/>
@@ -12594,7 +12594,7 @@
         <p:spPr>
           <a:xfrm>
             <a:off x="1097280" y="1733040"/>
-            <a:ext cx="7223760" cy="1101600"/>
+            <a:ext cx="7223400" cy="1101240"/>
           </a:xfrm>
           <a:prstGeom prst="rect">
             <a:avLst/>
@@ -12641,7 +12641,7 @@
         <p:spPr>
           <a:xfrm>
             <a:off x="1092960" y="2926080"/>
-            <a:ext cx="7227720" cy="929520"/>
+            <a:ext cx="7227360" cy="929160"/>
           </a:xfrm>
           <a:prstGeom prst="rect">
             <a:avLst/>
@@ -12688,7 +12688,7 @@
         <p:spPr>
           <a:xfrm>
             <a:off x="1097280" y="3943080"/>
-            <a:ext cx="7314840" cy="1244880"/>
+            <a:ext cx="7314480" cy="1244520"/>
           </a:xfrm>
           <a:prstGeom prst="rect">
             <a:avLst/>
@@ -12735,7 +12735,7 @@
         <p:spPr>
           <a:xfrm>
             <a:off x="1097280" y="5120640"/>
-            <a:ext cx="7772040" cy="2165040"/>
+            <a:ext cx="7771680" cy="2164680"/>
           </a:xfrm>
           <a:prstGeom prst="rect">
             <a:avLst/>
@@ -12830,7 +12830,7 @@
         <p:spPr>
           <a:xfrm>
             <a:off x="1125360" y="125280"/>
-            <a:ext cx="2257560" cy="697320"/>
+            <a:ext cx="2257200" cy="696960"/>
           </a:xfrm>
           <a:prstGeom prst="rect">
             <a:avLst/>
@@ -12914,7 +12914,7 @@
         <p:spPr>
           <a:xfrm>
             <a:off x="1295280" y="2819520"/>
-            <a:ext cx="7494840" cy="682560"/>
+            <a:ext cx="7494480" cy="682200"/>
           </a:xfrm>
           <a:prstGeom prst="rect">
             <a:avLst/>
@@ -12955,7 +12955,7 @@
         <p:spPr>
           <a:xfrm>
             <a:off x="5715000" y="6305400"/>
-            <a:ext cx="2892240" cy="473040"/>
+            <a:ext cx="2891880" cy="472680"/>
           </a:xfrm>
           <a:prstGeom prst="rect">
             <a:avLst/>
@@ -12996,7 +12996,7 @@
         <p:spPr>
           <a:xfrm>
             <a:off x="8613720" y="6305400"/>
-            <a:ext cx="453960" cy="473040"/>
+            <a:ext cx="453600" cy="472680"/>
           </a:xfrm>
           <a:prstGeom prst="rect">
             <a:avLst/>
@@ -13016,7 +13016,7 @@
         <p:spPr>
           <a:xfrm>
             <a:off x="8321040" y="6146640"/>
-            <a:ext cx="489240" cy="345600"/>
+            <a:ext cx="488880" cy="345240"/>
           </a:xfrm>
           <a:prstGeom prst="rect">
             <a:avLst/>
@@ -13097,7 +13097,7 @@
         <p:spPr>
           <a:xfrm>
             <a:off x="1435680" y="274680"/>
-            <a:ext cx="7494840" cy="1139760"/>
+            <a:ext cx="7494480" cy="1139400"/>
           </a:xfrm>
           <a:prstGeom prst="rect">
             <a:avLst/>
@@ -13141,7 +13141,7 @@
         <p:spPr>
           <a:xfrm>
             <a:off x="1435680" y="1447920"/>
-            <a:ext cx="7494840" cy="4797360"/>
+            <a:ext cx="7494480" cy="4797000"/>
           </a:xfrm>
           <a:prstGeom prst="rect">
             <a:avLst/>
@@ -13281,7 +13281,7 @@
         <p:spPr>
           <a:xfrm>
             <a:off x="8613720" y="6305400"/>
-            <a:ext cx="453960" cy="473040"/>
+            <a:ext cx="453600" cy="472680"/>
           </a:xfrm>
           <a:prstGeom prst="rect">
             <a:avLst/>
@@ -13301,7 +13301,7 @@
         <p:spPr>
           <a:xfrm>
             <a:off x="5715000" y="6305400"/>
-            <a:ext cx="2892240" cy="473040"/>
+            <a:ext cx="2891880" cy="472680"/>
           </a:xfrm>
           <a:prstGeom prst="rect">
             <a:avLst/>
@@ -13342,7 +13342,7 @@
         <p:spPr>
           <a:xfrm>
             <a:off x="8503920" y="5943600"/>
-            <a:ext cx="306000" cy="345600"/>
+            <a:ext cx="305640" cy="345240"/>
           </a:xfrm>
           <a:prstGeom prst="rect">
             <a:avLst/>
@@ -13423,7 +13423,7 @@
         <p:spPr>
           <a:xfrm>
             <a:off x="1435680" y="274680"/>
-            <a:ext cx="7494840" cy="1139760"/>
+            <a:ext cx="7494480" cy="1139400"/>
           </a:xfrm>
           <a:prstGeom prst="rect">
             <a:avLst/>
@@ -13464,7 +13464,7 @@
         <p:spPr>
           <a:xfrm>
             <a:off x="1435680" y="1447920"/>
-            <a:ext cx="7494840" cy="4797360"/>
+            <a:ext cx="7494480" cy="4797000"/>
           </a:xfrm>
           <a:prstGeom prst="rect">
             <a:avLst/>
@@ -13702,7 +13702,7 @@
         <p:spPr>
           <a:xfrm>
             <a:off x="5715000" y="6305400"/>
-            <a:ext cx="2892240" cy="473040"/>
+            <a:ext cx="2891880" cy="472680"/>
           </a:xfrm>
           <a:prstGeom prst="rect">
             <a:avLst/>
@@ -13743,7 +13743,7 @@
         <p:spPr>
           <a:xfrm>
             <a:off x="8613720" y="6305400"/>
-            <a:ext cx="453960" cy="473040"/>
+            <a:ext cx="453600" cy="472680"/>
           </a:xfrm>
           <a:prstGeom prst="rect">
             <a:avLst/>
@@ -13769,7 +13769,7 @@
         <p:spPr>
           <a:xfrm>
             <a:off x="4297680" y="2911680"/>
-            <a:ext cx="2697120" cy="377640"/>
+            <a:ext cx="2696760" cy="377280"/>
           </a:xfrm>
           <a:prstGeom prst="rect">
             <a:avLst/>
@@ -13794,7 +13794,7 @@
         <p:spPr>
           <a:xfrm>
             <a:off x="4607280" y="4701240"/>
-            <a:ext cx="4351320" cy="1697040"/>
+            <a:ext cx="4350960" cy="1696680"/>
           </a:xfrm>
           <a:prstGeom prst="rect">
             <a:avLst/>
@@ -13813,7 +13813,7 @@
         <p:spPr>
           <a:xfrm>
             <a:off x="8686800" y="6399360"/>
-            <a:ext cx="306000" cy="345600"/>
+            <a:ext cx="305640" cy="345240"/>
           </a:xfrm>
           <a:prstGeom prst="rect">
             <a:avLst/>
@@ -13894,7 +13894,7 @@
         <p:spPr>
           <a:xfrm>
             <a:off x="1318320" y="274320"/>
-            <a:ext cx="7457400" cy="6215400"/>
+            <a:ext cx="7457040" cy="6215040"/>
           </a:xfrm>
           <a:prstGeom prst="rect">
             <a:avLst/>
@@ -14159,7 +14159,7 @@
         <p:spPr>
           <a:xfrm>
             <a:off x="4666680" y="1814400"/>
-            <a:ext cx="4200480" cy="1017720"/>
+            <a:ext cx="4200120" cy="1017360"/>
           </a:xfrm>
           <a:prstGeom prst="rect">
             <a:avLst/>
@@ -14184,7 +14184,7 @@
         <p:spPr>
           <a:xfrm>
             <a:off x="4754880" y="5029200"/>
-            <a:ext cx="3460680" cy="1155600"/>
+            <a:ext cx="3460320" cy="1155240"/>
           </a:xfrm>
           <a:prstGeom prst="rect">
             <a:avLst/>
@@ -14203,7 +14203,7 @@
         <p:spPr>
           <a:xfrm>
             <a:off x="6035040" y="6491160"/>
-            <a:ext cx="2750400" cy="267840"/>
+            <a:ext cx="2750040" cy="267480"/>
           </a:xfrm>
           <a:prstGeom prst="rect">
             <a:avLst/>
@@ -14244,7 +14244,7 @@
         <p:spPr>
           <a:xfrm>
             <a:off x="8595360" y="6035040"/>
-            <a:ext cx="364680" cy="345600"/>
+            <a:ext cx="364320" cy="345240"/>
           </a:xfrm>
           <a:prstGeom prst="rect">
             <a:avLst/>
@@ -14325,7 +14325,7 @@
         <p:spPr>
           <a:xfrm>
             <a:off x="1435680" y="274680"/>
-            <a:ext cx="7494840" cy="1139760"/>
+            <a:ext cx="7494480" cy="1139400"/>
           </a:xfrm>
           <a:prstGeom prst="rect">
             <a:avLst/>
@@ -14366,7 +14366,7 @@
         <p:spPr>
           <a:xfrm>
             <a:off x="1005840" y="1494360"/>
-            <a:ext cx="8226360" cy="5178240"/>
+            <a:ext cx="8226000" cy="5177880"/>
           </a:xfrm>
           <a:prstGeom prst="rect">
             <a:avLst/>
@@ -14549,7 +14549,7 @@
         <p:spPr>
           <a:xfrm>
             <a:off x="8613720" y="6305400"/>
-            <a:ext cx="453960" cy="473040"/>
+            <a:ext cx="453600" cy="472680"/>
           </a:xfrm>
           <a:prstGeom prst="rect">
             <a:avLst/>
@@ -14569,7 +14569,7 @@
         <p:spPr>
           <a:xfrm>
             <a:off x="5715000" y="6305400"/>
-            <a:ext cx="2892240" cy="473040"/>
+            <a:ext cx="2891880" cy="472680"/>
           </a:xfrm>
           <a:prstGeom prst="rect">
             <a:avLst/>
@@ -14616,7 +14616,7 @@
         <p:spPr>
           <a:xfrm>
             <a:off x="6998400" y="732960"/>
-            <a:ext cx="1855080" cy="681480"/>
+            <a:ext cx="1854720" cy="681120"/>
           </a:xfrm>
           <a:prstGeom prst="rect">
             <a:avLst/>
@@ -14635,7 +14635,7 @@
         <p:spPr>
           <a:xfrm>
             <a:off x="8504280" y="6145920"/>
-            <a:ext cx="306000" cy="345600"/>
+            <a:ext cx="305640" cy="345240"/>
           </a:xfrm>
           <a:prstGeom prst="rect">
             <a:avLst/>
@@ -14722,7 +14722,7 @@
         <p:spPr>
           <a:xfrm>
             <a:off x="1066680" y="3863520"/>
-            <a:ext cx="7496280" cy="2229480"/>
+            <a:ext cx="7495920" cy="2229120"/>
           </a:xfrm>
           <a:prstGeom prst="rect">
             <a:avLst/>
@@ -14741,7 +14741,7 @@
         <p:spPr>
           <a:xfrm>
             <a:off x="1143000" y="3124080"/>
-            <a:ext cx="6168960" cy="636120"/>
+            <a:ext cx="6168600" cy="635760"/>
           </a:xfrm>
           <a:prstGeom prst="rect">
             <a:avLst/>
@@ -14792,7 +14792,7 @@
         <p:spPr>
           <a:xfrm>
             <a:off x="1066680" y="609480"/>
-            <a:ext cx="6854760" cy="1184040"/>
+            <a:ext cx="6854400" cy="1183680"/>
           </a:xfrm>
           <a:prstGeom prst="rect">
             <a:avLst/>
@@ -14849,7 +14849,7 @@
         <p:spPr>
           <a:xfrm>
             <a:off x="3657600" y="1828800"/>
-            <a:ext cx="1473120" cy="1101600"/>
+            <a:ext cx="1472760" cy="1101240"/>
           </a:xfrm>
           <a:prstGeom prst="rect">
             <a:avLst/>
@@ -14868,7 +14868,7 @@
         <p:spPr>
           <a:xfrm>
             <a:off x="8613720" y="6305400"/>
-            <a:ext cx="453960" cy="473040"/>
+            <a:ext cx="453600" cy="472680"/>
           </a:xfrm>
           <a:prstGeom prst="rect">
             <a:avLst/>
@@ -14888,7 +14888,7 @@
         <p:spPr>
           <a:xfrm>
             <a:off x="5715000" y="6305400"/>
-            <a:ext cx="2892240" cy="473040"/>
+            <a:ext cx="2891880" cy="472680"/>
           </a:xfrm>
           <a:prstGeom prst="rect">
             <a:avLst/>
@@ -14929,7 +14929,7 @@
         <p:spPr>
           <a:xfrm>
             <a:off x="8504280" y="6145920"/>
-            <a:ext cx="306000" cy="345600"/>
+            <a:ext cx="305640" cy="345240"/>
           </a:xfrm>
           <a:prstGeom prst="rect">
             <a:avLst/>
@@ -15010,7 +15010,7 @@
         <p:spPr>
           <a:xfrm>
             <a:off x="1143000" y="2895480"/>
-            <a:ext cx="8226360" cy="911160"/>
+            <a:ext cx="8226000" cy="910800"/>
           </a:xfrm>
           <a:prstGeom prst="rect">
             <a:avLst/>
@@ -15093,7 +15093,7 @@
         <p:spPr>
           <a:xfrm>
             <a:off x="2080800" y="4572000"/>
-            <a:ext cx="5620680" cy="1596960"/>
+            <a:ext cx="5620320" cy="1596600"/>
           </a:xfrm>
           <a:prstGeom prst="rect">
             <a:avLst/>
@@ -15112,7 +15112,7 @@
         <p:spPr>
           <a:xfrm>
             <a:off x="1143000" y="228600"/>
-            <a:ext cx="7464240" cy="1611360"/>
+            <a:ext cx="7463880" cy="1611000"/>
           </a:xfrm>
           <a:prstGeom prst="rect">
             <a:avLst/>
@@ -15189,7 +15189,7 @@
         <p:spPr>
           <a:xfrm>
             <a:off x="1828800" y="1936080"/>
-            <a:ext cx="6016680" cy="987480"/>
+            <a:ext cx="6016320" cy="987120"/>
           </a:xfrm>
           <a:prstGeom prst="rect">
             <a:avLst/>
@@ -15208,7 +15208,7 @@
         <p:spPr>
           <a:xfrm>
             <a:off x="8613720" y="6305400"/>
-            <a:ext cx="453960" cy="473040"/>
+            <a:ext cx="453600" cy="472680"/>
           </a:xfrm>
           <a:prstGeom prst="rect">
             <a:avLst/>
@@ -15228,7 +15228,7 @@
         <p:spPr>
           <a:xfrm>
             <a:off x="5715000" y="6305400"/>
-            <a:ext cx="2892240" cy="473040"/>
+            <a:ext cx="2891880" cy="472680"/>
           </a:xfrm>
           <a:prstGeom prst="rect">
             <a:avLst/>
@@ -15269,7 +15269,7 @@
         <p:spPr>
           <a:xfrm>
             <a:off x="8504280" y="6145920"/>
-            <a:ext cx="306000" cy="345600"/>
+            <a:ext cx="305640" cy="345240"/>
           </a:xfrm>
           <a:prstGeom prst="rect">
             <a:avLst/>
